--- a/bai 0 gioi thieu/intro.pptx
+++ b/bai 0 gioi thieu/intro.pptx
@@ -248,7 +248,7 @@
   </p:defaultTextStyle>
   <p:extLst>
     <p:ext uri="{EFAFB233-063F-42B5-8137-9DF3F51BA10A}">
-      <p15:sldGuideLst xmlns:p15="http://schemas.microsoft.com/office/powerpoint/2012/main" xmlns:p14="http://schemas.microsoft.com/office/powerpoint/2010/main" xmlns:com="http://schemas.openxmlformats.org/drawingml/2006/compatibility" xmlns:pvml="urn:schemas-microsoft-com:office:powerpoint" xmlns:v="urn:schemas-microsoft-com:vml" xmlns:o="urn:schemas-microsoft-com:office:office" xmlns:dgm="http://schemas.openxmlformats.org/drawingml/2006/diagram" xmlns:c="http://schemas.openxmlformats.org/drawingml/2006/chart" xmlns:mv="urn:schemas-microsoft-com:mac:vml" xmlns:mc="http://schemas.openxmlformats.org/markup-compatibility/2006" xmlns="">
+      <p15:sldGuideLst xmlns="" xmlns:mc="http://schemas.openxmlformats.org/markup-compatibility/2006" xmlns:mv="urn:schemas-microsoft-com:mac:vml" xmlns:c="http://schemas.openxmlformats.org/drawingml/2006/chart" xmlns:dgm="http://schemas.openxmlformats.org/drawingml/2006/diagram" xmlns:o="urn:schemas-microsoft-com:office:office" xmlns:v="urn:schemas-microsoft-com:vml" xmlns:pvml="urn:schemas-microsoft-com:office:powerpoint" xmlns:com="http://schemas.openxmlformats.org/drawingml/2006/compatibility" xmlns:p14="http://schemas.microsoft.com/office/powerpoint/2010/main" xmlns:p15="http://schemas.microsoft.com/office/powerpoint/2012/main">
         <p15:guide id="1" orient="horz" pos="1620">
           <p15:clr>
             <a:srgbClr val="A4A3A4"/>
@@ -7924,7 +7924,15 @@
             </a:pPr>
             <a:r>
               <a:rPr lang="en" sz="1200" dirty="0" smtClean="0"/>
-              <a:t>-lưu ý: code nó giống như võ công, auto giống như tuyệt kỹ, dùng vào việc xấu thì bạn là người xấu, ko phải do code.Vì vậy mong muốn ae hãy dùng những gì mình học, auto tăng năng suất lao động, làm những việc tốt, chứ đừng chỉ chăm chăm, nhăm nhe học auto để đi phá hoại, cheat game , khai thác lỗ hổng trang web để chuộc lợi cho bản thân.</a:t>
+              <a:t>-lưu ý: code nó giống như võ công, auto giống như tuyệt kỹ, dùng vào việc xấu thì bạn là người xấu, ko phải do code.Vì vậy mong muốn ae hãy dùng những gì mình học, auto tăng năng suất lao động, làm những việc tốt, chứ đừng chỉ chăm chăm, nhăm nhe học auto để đi phá hoại, </a:t>
+            </a:r>
+            <a:r>
+              <a:rPr lang="en" sz="1200" b="1" dirty="0" smtClean="0"/>
+              <a:t>cheat game</a:t>
+            </a:r>
+            <a:r>
+              <a:rPr lang="en" sz="1200" dirty="0" smtClean="0"/>
+              <a:t> , khai thác lỗ hổng trang web để chuộc lợi cho bản thân.</a:t>
             </a:r>
           </a:p>
           <a:p>
@@ -8020,10 +8028,10 @@
               <a:buNone/>
             </a:pPr>
             <a:r>
-              <a:rPr lang="en"/>
+              <a:rPr lang="en" dirty="0"/>
               <a:t>Kiến thức yêu cầu</a:t>
             </a:r>
-            <a:endParaRPr/>
+            <a:endParaRPr dirty="0"/>
           </a:p>
         </p:txBody>
       </p:sp>
@@ -8153,7 +8161,7 @@
               <a:rPr lang="en" sz="1200" dirty="0"/>
               <a:t>- video sẽ going to ngắn gọn, súc tích, đề cao tinh thần tự học và tự tìm hiểu, nên ae xem cần hoạt động nhiều, (suy nghĩ + code thực hành + gg)</a:t>
             </a:r>
-            <a:endParaRPr sz="1200" dirty="0"/>
+            <a:endParaRPr sz="1200" b="1" dirty="0"/>
           </a:p>
         </p:txBody>
       </p:sp>
